--- a/Work_Camden/powerpoint/Unemployment_and_Homelessness.pptx
+++ b/Work_Camden/powerpoint/Unemployment_and_Homelessness.pptx
@@ -108,6 +108,11 @@
       </a:defRPr>
     </a:lvl9pPr>
   </p:defaultTextStyle>
+  <p:extLst>
+    <p:ext uri="{EFAFB233-063F-42B5-8137-9DF3F51BA10A}">
+      <p15:sldGuideLst xmlns:p15="http://schemas.microsoft.com/office/powerpoint/2012/main"/>
+    </p:ext>
+  </p:extLst>
 </p:presentation>
 </file>
 
@@ -279,7 +284,7 @@
           <a:p>
             <a:fld id="{B08BE68A-D593-4A21-9116-FEBF20C1922E}" type="datetimeFigureOut">
               <a:rPr lang="en-US" smtClean="0"/>
-              <a:t>11/18/2024</a:t>
+              <a:t>11/19/2024</a:t>
             </a:fld>
             <a:endParaRPr lang="en-US"/>
           </a:p>
@@ -507,7 +512,7 @@
           <a:p>
             <a:fld id="{B08BE68A-D593-4A21-9116-FEBF20C1922E}" type="datetimeFigureOut">
               <a:rPr lang="en-US" smtClean="0"/>
-              <a:t>11/18/2024</a:t>
+              <a:t>11/19/2024</a:t>
             </a:fld>
             <a:endParaRPr lang="en-US"/>
           </a:p>
@@ -687,7 +692,7 @@
           <a:p>
             <a:fld id="{B08BE68A-D593-4A21-9116-FEBF20C1922E}" type="datetimeFigureOut">
               <a:rPr lang="en-US" smtClean="0"/>
-              <a:t>11/18/2024</a:t>
+              <a:t>11/19/2024</a:t>
             </a:fld>
             <a:endParaRPr lang="en-US"/>
           </a:p>
@@ -857,7 +862,7 @@
           <a:p>
             <a:fld id="{B08BE68A-D593-4A21-9116-FEBF20C1922E}" type="datetimeFigureOut">
               <a:rPr lang="en-US" smtClean="0"/>
-              <a:t>11/18/2024</a:t>
+              <a:t>11/19/2024</a:t>
             </a:fld>
             <a:endParaRPr lang="en-US"/>
           </a:p>
@@ -1111,7 +1116,7 @@
           <a:p>
             <a:fld id="{B08BE68A-D593-4A21-9116-FEBF20C1922E}" type="datetimeFigureOut">
               <a:rPr lang="en-US" smtClean="0"/>
-              <a:t>11/18/2024</a:t>
+              <a:t>11/19/2024</a:t>
             </a:fld>
             <a:endParaRPr lang="en-US"/>
           </a:p>
@@ -1437,7 +1442,7 @@
           <a:p>
             <a:fld id="{B08BE68A-D593-4A21-9116-FEBF20C1922E}" type="datetimeFigureOut">
               <a:rPr lang="en-US" smtClean="0"/>
-              <a:t>11/18/2024</a:t>
+              <a:t>11/19/2024</a:t>
             </a:fld>
             <a:endParaRPr lang="en-US"/>
           </a:p>
@@ -1888,7 +1893,7 @@
           <a:p>
             <a:fld id="{B08BE68A-D593-4A21-9116-FEBF20C1922E}" type="datetimeFigureOut">
               <a:rPr lang="en-US" smtClean="0"/>
-              <a:t>11/18/2024</a:t>
+              <a:t>11/19/2024</a:t>
             </a:fld>
             <a:endParaRPr lang="en-US"/>
           </a:p>
@@ -2006,7 +2011,7 @@
           <a:p>
             <a:fld id="{B08BE68A-D593-4A21-9116-FEBF20C1922E}" type="datetimeFigureOut">
               <a:rPr lang="en-US" smtClean="0"/>
-              <a:t>11/18/2024</a:t>
+              <a:t>11/19/2024</a:t>
             </a:fld>
             <a:endParaRPr lang="en-US"/>
           </a:p>
@@ -2101,7 +2106,7 @@
           <a:p>
             <a:fld id="{B08BE68A-D593-4A21-9116-FEBF20C1922E}" type="datetimeFigureOut">
               <a:rPr lang="en-US" smtClean="0"/>
-              <a:t>11/18/2024</a:t>
+              <a:t>11/19/2024</a:t>
             </a:fld>
             <a:endParaRPr lang="en-US"/>
           </a:p>
@@ -2388,7 +2393,7 @@
           <a:p>
             <a:fld id="{B08BE68A-D593-4A21-9116-FEBF20C1922E}" type="datetimeFigureOut">
               <a:rPr lang="en-US" smtClean="0"/>
-              <a:t>11/18/2024</a:t>
+              <a:t>11/19/2024</a:t>
             </a:fld>
             <a:endParaRPr lang="en-US"/>
           </a:p>
@@ -2710,7 +2715,7 @@
           <a:p>
             <a:fld id="{B08BE68A-D593-4A21-9116-FEBF20C1922E}" type="datetimeFigureOut">
               <a:rPr lang="en-US" smtClean="0"/>
-              <a:t>11/18/2024</a:t>
+              <a:t>11/19/2024</a:t>
             </a:fld>
             <a:endParaRPr lang="en-US"/>
           </a:p>
@@ -2964,7 +2969,7 @@
           <a:p>
             <a:fld id="{B08BE68A-D593-4A21-9116-FEBF20C1922E}" type="datetimeFigureOut">
               <a:rPr lang="en-US" smtClean="0"/>
-              <a:t>11/18/2024</a:t>
+              <a:t>11/19/2024</a:t>
             </a:fld>
             <a:endParaRPr lang="en-US"/>
           </a:p>
@@ -3526,14 +3531,83 @@
         </p:blipFill>
         <p:spPr>
           <a:xfrm>
-            <a:off x="858119" y="1855787"/>
-            <a:ext cx="9692640" cy="4846319"/>
+            <a:off x="3181585" y="1691322"/>
+            <a:ext cx="8039734" cy="4019866"/>
           </a:xfrm>
           <a:prstGeom prst="rect">
             <a:avLst/>
           </a:prstGeom>
         </p:spPr>
       </p:pic>
+      <p:sp>
+        <p:nvSpPr>
+          <p:cNvPr id="3" name="TextBox 2">
+            <a:extLst>
+              <a:ext uri="{FF2B5EF4-FFF2-40B4-BE49-F238E27FC236}">
+                <a16:creationId xmlns:a16="http://schemas.microsoft.com/office/drawing/2014/main" id="{81A6F814-01F5-33BD-2299-79F8FF3D3481}"/>
+              </a:ext>
+            </a:extLst>
+          </p:cNvPr>
+          <p:cNvSpPr txBox="1"/>
+          <p:nvPr/>
+        </p:nvSpPr>
+        <p:spPr>
+          <a:xfrm>
+            <a:off x="619760" y="2223927"/>
+            <a:ext cx="2895600" cy="1477328"/>
+          </a:xfrm>
+          <a:prstGeom prst="rect">
+            <a:avLst/>
+          </a:prstGeom>
+          <a:noFill/>
+        </p:spPr>
+        <p:txBody>
+          <a:bodyPr wrap="square" rtlCol="0">
+            <a:spAutoFit/>
+          </a:bodyPr>
+          <a:lstStyle/>
+          <a:p>
+            <a:pPr marL="285750" indent="-285750">
+              <a:buFont typeface="Arial" panose="020B0604020202020204" pitchFamily="34" charset="0"/>
+              <a:buChar char="•"/>
+            </a:pPr>
+            <a:r>
+              <a:rPr lang="en-US" dirty="0"/>
+              <a:t>States with highest homeless count:</a:t>
+            </a:r>
+          </a:p>
+          <a:p>
+            <a:pPr marL="800100" lvl="1" indent="-342900">
+              <a:buFont typeface="+mj-lt"/>
+              <a:buAutoNum type="arabicPeriod"/>
+            </a:pPr>
+            <a:r>
+              <a:rPr lang="en-US" dirty="0"/>
+              <a:t>New York: 78,920</a:t>
+            </a:r>
+          </a:p>
+          <a:p>
+            <a:pPr marL="800100" lvl="1" indent="-342900">
+              <a:buFont typeface="+mj-lt"/>
+              <a:buAutoNum type="arabicPeriod"/>
+            </a:pPr>
+            <a:r>
+              <a:rPr lang="en-US" dirty="0"/>
+              <a:t>California: 57,468</a:t>
+            </a:r>
+          </a:p>
+          <a:p>
+            <a:pPr marL="800100" lvl="1" indent="-342900">
+              <a:buFont typeface="+mj-lt"/>
+              <a:buAutoNum type="arabicPeriod"/>
+            </a:pPr>
+            <a:r>
+              <a:rPr lang="en-US" dirty="0"/>
+              <a:t>Florida: 21,121</a:t>
+            </a:r>
+          </a:p>
+        </p:txBody>
+      </p:sp>
     </p:spTree>
     <p:extLst>
       <p:ext uri="{BB962C8B-B14F-4D97-AF65-F5344CB8AC3E}">
